--- a/Analisis_de_Datos/CapstoneProject_Grupo4/PPT_CapstoneProject_g4_SeulBikeData.pptx
+++ b/Analisis_de_Datos/CapstoneProject_Grupo4/PPT_CapstoneProject_g4_SeulBikeData.pptx
@@ -131,9 +131,101 @@
 <file path=ppt/revisionInfo.xml><?xml version="1.0" encoding="utf-8"?>
 <p1510:revInfo xmlns:a="http://schemas.openxmlformats.org/drawingml/2006/main" xmlns:r="http://schemas.openxmlformats.org/officeDocument/2006/relationships" xmlns:p1510="http://schemas.microsoft.com/office/powerpoint/2015/10/main">
   <p1510:revLst>
+    <p1510:client id="{C85B6986-9F9B-43E4-8B42-9CAF78AC542B}" v="10" dt="2022-09-30T01:51:39.235"/>
     <p1510:client id="{DA8F083C-877E-4291-9E38-BC5259F30A9E}" v="8" dt="2022-09-29T17:33:51.247"/>
   </p1510:revLst>
 </p1510:revInfo>
+</file>
+
+<file path=ppt/changesInfos/changesInfo1.xml><?xml version="1.0" encoding="utf-8"?>
+<pc:chgInfo xmlns:a="http://schemas.openxmlformats.org/drawingml/2006/main" xmlns:r="http://schemas.openxmlformats.org/officeDocument/2006/relationships" xmlns:ac="http://schemas.microsoft.com/office/drawing/2013/main/command" xmlns:pc="http://schemas.microsoft.com/office/powerpoint/2013/main/command">
+  <pc:docChgLst>
+    <pc:chgData name="Fernando Nachbauer Ramos" userId="d4b37b000ae4249c" providerId="LiveId" clId="{C85B6986-9F9B-43E4-8B42-9CAF78AC542B}"/>
+    <pc:docChg chg="undo custSel modSld">
+      <pc:chgData name="Fernando Nachbauer Ramos" userId="d4b37b000ae4249c" providerId="LiveId" clId="{C85B6986-9F9B-43E4-8B42-9CAF78AC542B}" dt="2022-09-30T01:51:39.232" v="54" actId="1076"/>
+      <pc:docMkLst>
+        <pc:docMk/>
+      </pc:docMkLst>
+      <pc:sldChg chg="addSp delSp modSp">
+        <pc:chgData name="Fernando Nachbauer Ramos" userId="d4b37b000ae4249c" providerId="LiveId" clId="{C85B6986-9F9B-43E4-8B42-9CAF78AC542B}" dt="2022-09-30T01:48:05.012" v="27"/>
+        <pc:sldMkLst>
+          <pc:docMk/>
+          <pc:sldMk cId="494457962" sldId="720"/>
+        </pc:sldMkLst>
+        <pc:spChg chg="add del mod">
+          <ac:chgData name="Fernando Nachbauer Ramos" userId="d4b37b000ae4249c" providerId="LiveId" clId="{C85B6986-9F9B-43E4-8B42-9CAF78AC542B}" dt="2022-09-30T01:48:05.012" v="27"/>
+          <ac:spMkLst>
+            <pc:docMk/>
+            <pc:sldMk cId="494457962" sldId="720"/>
+            <ac:spMk id="4" creationId="{C77AF53C-C97C-AE52-9F83-D655F11AED46}"/>
+          </ac:spMkLst>
+        </pc:spChg>
+      </pc:sldChg>
+      <pc:sldChg chg="addSp delSp modSp">
+        <pc:chgData name="Fernando Nachbauer Ramos" userId="d4b37b000ae4249c" providerId="LiveId" clId="{C85B6986-9F9B-43E4-8B42-9CAF78AC542B}" dt="2022-09-30T01:48:05.968" v="28"/>
+        <pc:sldMkLst>
+          <pc:docMk/>
+          <pc:sldMk cId="2922260387" sldId="721"/>
+        </pc:sldMkLst>
+        <pc:spChg chg="add del mod">
+          <ac:chgData name="Fernando Nachbauer Ramos" userId="d4b37b000ae4249c" providerId="LiveId" clId="{C85B6986-9F9B-43E4-8B42-9CAF78AC542B}" dt="2022-09-30T01:48:05.968" v="28"/>
+          <ac:spMkLst>
+            <pc:docMk/>
+            <pc:sldMk cId="2922260387" sldId="721"/>
+            <ac:spMk id="7" creationId="{2A26310C-F1D5-4285-2310-4DAAEB24C281}"/>
+          </ac:spMkLst>
+        </pc:spChg>
+      </pc:sldChg>
+      <pc:sldChg chg="addSp delSp modSp mod">
+        <pc:chgData name="Fernando Nachbauer Ramos" userId="d4b37b000ae4249c" providerId="LiveId" clId="{C85B6986-9F9B-43E4-8B42-9CAF78AC542B}" dt="2022-09-30T01:51:39.232" v="54" actId="1076"/>
+        <pc:sldMkLst>
+          <pc:docMk/>
+          <pc:sldMk cId="203737958" sldId="722"/>
+        </pc:sldMkLst>
+        <pc:spChg chg="add mod">
+          <ac:chgData name="Fernando Nachbauer Ramos" userId="d4b37b000ae4249c" providerId="LiveId" clId="{C85B6986-9F9B-43E4-8B42-9CAF78AC542B}" dt="2022-09-30T01:51:07.369" v="49" actId="1076"/>
+          <ac:spMkLst>
+            <pc:docMk/>
+            <pc:sldMk cId="203737958" sldId="722"/>
+            <ac:spMk id="3" creationId="{83A52637-05B9-0C22-511C-F8213720BBA9}"/>
+          </ac:spMkLst>
+        </pc:spChg>
+        <pc:spChg chg="add del mod">
+          <ac:chgData name="Fernando Nachbauer Ramos" userId="d4b37b000ae4249c" providerId="LiveId" clId="{C85B6986-9F9B-43E4-8B42-9CAF78AC542B}" dt="2022-09-30T01:46:23.708" v="10" actId="478"/>
+          <ac:spMkLst>
+            <pc:docMk/>
+            <pc:sldMk cId="203737958" sldId="722"/>
+            <ac:spMk id="6" creationId="{859AF1F7-CA07-9C9B-6A4B-B3E74A459083}"/>
+          </ac:spMkLst>
+        </pc:spChg>
+        <pc:spChg chg="add del mod">
+          <ac:chgData name="Fernando Nachbauer Ramos" userId="d4b37b000ae4249c" providerId="LiveId" clId="{C85B6986-9F9B-43E4-8B42-9CAF78AC542B}" dt="2022-09-30T01:46:43.093" v="13" actId="478"/>
+          <ac:spMkLst>
+            <pc:docMk/>
+            <pc:sldMk cId="203737958" sldId="722"/>
+            <ac:spMk id="8" creationId="{A43D604D-AF57-2A17-477C-B414D3EF4441}"/>
+          </ac:spMkLst>
+        </pc:spChg>
+        <pc:spChg chg="add mod">
+          <ac:chgData name="Fernando Nachbauer Ramos" userId="d4b37b000ae4249c" providerId="LiveId" clId="{C85B6986-9F9B-43E4-8B42-9CAF78AC542B}" dt="2022-09-30T01:51:37.433" v="53" actId="1076"/>
+          <ac:spMkLst>
+            <pc:docMk/>
+            <pc:sldMk cId="203737958" sldId="722"/>
+            <ac:spMk id="10" creationId="{FCF2D784-04C2-370C-C9C2-1783DFE007C1}"/>
+          </ac:spMkLst>
+        </pc:spChg>
+        <pc:picChg chg="add mod">
+          <ac:chgData name="Fernando Nachbauer Ramos" userId="d4b37b000ae4249c" providerId="LiveId" clId="{C85B6986-9F9B-43E4-8B42-9CAF78AC542B}" dt="2022-09-30T01:51:39.232" v="54" actId="1076"/>
+          <ac:picMkLst>
+            <pc:docMk/>
+            <pc:sldMk cId="203737958" sldId="722"/>
+            <ac:picMk id="1026" creationId="{6E137D2F-E46E-4676-BEA4-CDE060CB62B9}"/>
+          </ac:picMkLst>
+        </pc:picChg>
+      </pc:sldChg>
+    </pc:docChg>
+  </pc:docChgLst>
+</pc:chgInfo>
 </file>
 
 <file path=ppt/notesMasters/notesMaster1.xml><?xml version="1.0" encoding="utf-8"?>
@@ -719,14 +811,14 @@
           <a:effectLst/>
           <a:extLst>
             <a:ext uri="{909E8E84-426E-40dd-AFC4-6F175D3DCCD1}">
-              <a14:hiddenFill xmlns:a14="http://schemas.microsoft.com/office/drawing/2010/main" xmlns="">
+              <a14:hiddenFill xmlns="" xmlns:a14="http://schemas.microsoft.com/office/drawing/2010/main">
                 <a:solidFill>
                   <a:srgbClr val="FFFFFF"/>
                 </a:solidFill>
               </a14:hiddenFill>
             </a:ext>
             <a:ext uri="{91240B29-F687-4f45-9708-019B960494DF}">
-              <a14:hiddenLine xmlns:a14="http://schemas.microsoft.com/office/drawing/2010/main" xmlns="" w="12700" cap="flat" cmpd="sng">
+              <a14:hiddenLine xmlns="" xmlns:a14="http://schemas.microsoft.com/office/drawing/2010/main" w="12700" cap="flat" cmpd="sng">
                 <a:solidFill>
                   <a:srgbClr val="000000"/>
                 </a:solidFill>
@@ -737,7 +829,7 @@
               </a14:hiddenLine>
             </a:ext>
             <a:ext uri="{AF507438-7753-43e0-B8FC-AC1667EBCBE1}">
-              <a14:hiddenEffects xmlns:a14="http://schemas.microsoft.com/office/drawing/2010/main" xmlns="">
+              <a14:hiddenEffects xmlns="" xmlns:a14="http://schemas.microsoft.com/office/drawing/2010/main">
                 <a:effectLst>
                   <a:outerShdw blurRad="63500" dist="38099" dir="2700000" algn="ctr" rotWithShape="0">
                     <a:srgbClr val="000000">
@@ -786,14 +878,14 @@
           <a:effectLst/>
           <a:extLst>
             <a:ext uri="{909E8E84-426E-40dd-AFC4-6F175D3DCCD1}">
-              <a14:hiddenFill xmlns:a14="http://schemas.microsoft.com/office/drawing/2010/main" xmlns="">
+              <a14:hiddenFill xmlns="" xmlns:a14="http://schemas.microsoft.com/office/drawing/2010/main">
                 <a:solidFill>
                   <a:srgbClr val="FFFFFF"/>
                 </a:solidFill>
               </a14:hiddenFill>
             </a:ext>
             <a:ext uri="{91240B29-F687-4f45-9708-019B960494DF}">
-              <a14:hiddenLine xmlns:a14="http://schemas.microsoft.com/office/drawing/2010/main" xmlns="" w="12700" cap="flat" cmpd="sng">
+              <a14:hiddenLine xmlns="" xmlns:a14="http://schemas.microsoft.com/office/drawing/2010/main" w="12700" cap="flat" cmpd="sng">
                 <a:solidFill>
                   <a:srgbClr val="000000"/>
                 </a:solidFill>
@@ -804,7 +896,7 @@
               </a14:hiddenLine>
             </a:ext>
             <a:ext uri="{AF507438-7753-43e0-B8FC-AC1667EBCBE1}">
-              <a14:hiddenEffects xmlns:a14="http://schemas.microsoft.com/office/drawing/2010/main" xmlns="">
+              <a14:hiddenEffects xmlns="" xmlns:a14="http://schemas.microsoft.com/office/drawing/2010/main">
                 <a:effectLst>
                   <a:outerShdw blurRad="63500" dist="38099" dir="2700000" algn="ctr" rotWithShape="0">
                     <a:srgbClr val="000000">
@@ -5539,6 +5631,161 @@
           </a:p>
         </p:txBody>
       </p:sp>
+      <p:sp>
+        <p:nvSpPr>
+          <p:cNvPr id="3" name="CuadroTexto 2">
+            <a:extLst>
+              <a:ext uri="{FF2B5EF4-FFF2-40B4-BE49-F238E27FC236}">
+                <a16:creationId xmlns:a16="http://schemas.microsoft.com/office/drawing/2014/main" id="{83A52637-05B9-0C22-511C-F8213720BBA9}"/>
+              </a:ext>
+            </a:extLst>
+          </p:cNvPr>
+          <p:cNvSpPr txBox="1"/>
+          <p:nvPr/>
+        </p:nvSpPr>
+        <p:spPr>
+          <a:xfrm>
+            <a:off x="1014763" y="4971044"/>
+            <a:ext cx="3044282" cy="1384995"/>
+          </a:xfrm>
+          <a:prstGeom prst="rect">
+            <a:avLst/>
+          </a:prstGeom>
+          <a:noFill/>
+        </p:spPr>
+        <p:txBody>
+          <a:bodyPr wrap="square" rtlCol="0">
+            <a:spAutoFit/>
+          </a:bodyPr>
+          <a:lstStyle/>
+          <a:p>
+            <a:r>
+              <a:rPr lang="es-CL" sz="1400" b="1" dirty="0"/>
+              <a:t>INTEGRANTES GRUPO IV</a:t>
+            </a:r>
+          </a:p>
+          <a:p>
+            <a:r>
+              <a:rPr lang="es-CL" sz="1400" dirty="0"/>
+              <a:t>Patricio Ramirez</a:t>
+            </a:r>
+          </a:p>
+          <a:p>
+            <a:r>
+              <a:rPr lang="es-CL" sz="1400" dirty="0"/>
+              <a:t>Ignacio Fuentes</a:t>
+            </a:r>
+          </a:p>
+          <a:p>
+            <a:r>
+              <a:rPr lang="es-CL" sz="1400" dirty="0"/>
+              <a:t>Kevin </a:t>
+            </a:r>
+            <a:r>
+              <a:rPr lang="es-CL" sz="1400" dirty="0" err="1"/>
+              <a:t>Gallardo</a:t>
+            </a:r>
+            <a:endParaRPr lang="es-CL" sz="1400" dirty="0"/>
+          </a:p>
+          <a:p>
+            <a:r>
+              <a:rPr lang="es-CL" sz="1400" dirty="0"/>
+              <a:t>Hernán Almonacid</a:t>
+            </a:r>
+          </a:p>
+          <a:p>
+            <a:r>
+              <a:rPr lang="es-CL" sz="1400" dirty="0"/>
+              <a:t>Fernando Nachbauer</a:t>
+            </a:r>
+          </a:p>
+        </p:txBody>
+      </p:sp>
+      <p:sp>
+        <p:nvSpPr>
+          <p:cNvPr id="10" name="CuadroTexto 9">
+            <a:extLst>
+              <a:ext uri="{FF2B5EF4-FFF2-40B4-BE49-F238E27FC236}">
+                <a16:creationId xmlns:a16="http://schemas.microsoft.com/office/drawing/2014/main" id="{FCF2D784-04C2-370C-C9C2-1783DFE007C1}"/>
+              </a:ext>
+            </a:extLst>
+          </p:cNvPr>
+          <p:cNvSpPr txBox="1"/>
+          <p:nvPr/>
+        </p:nvSpPr>
+        <p:spPr>
+          <a:xfrm>
+            <a:off x="5703848" y="6061934"/>
+            <a:ext cx="1706137" cy="338554"/>
+          </a:xfrm>
+          <a:prstGeom prst="rect">
+            <a:avLst/>
+          </a:prstGeom>
+          <a:noFill/>
+        </p:spPr>
+        <p:txBody>
+          <a:bodyPr wrap="square">
+            <a:spAutoFit/>
+          </a:bodyPr>
+          <a:lstStyle/>
+          <a:p>
+            <a:r>
+              <a:rPr lang="es-CL" sz="1600" dirty="0">
+                <a:hlinkClick r:id="rId2"/>
+              </a:rPr>
+              <a:t>LINK DE GITHUB</a:t>
+            </a:r>
+            <a:endParaRPr lang="es-CL" sz="1600" dirty="0"/>
+          </a:p>
+        </p:txBody>
+      </p:sp>
+      <p:pic>
+        <p:nvPicPr>
+          <p:cNvPr id="1026" name="Picture 2" descr="Resultado de imagen para GITHUB LOGO">
+            <a:extLst>
+              <a:ext uri="{FF2B5EF4-FFF2-40B4-BE49-F238E27FC236}">
+                <a16:creationId xmlns:a16="http://schemas.microsoft.com/office/drawing/2014/main" id="{6E137D2F-E46E-4676-BEA4-CDE060CB62B9}"/>
+              </a:ext>
+            </a:extLst>
+          </p:cNvPr>
+          <p:cNvPicPr>
+            <a:picLocks noChangeAspect="1" noChangeArrowheads="1"/>
+          </p:cNvPicPr>
+          <p:nvPr/>
+        </p:nvPicPr>
+        <p:blipFill>
+          <a:blip r:embed="rId3">
+            <a:extLst>
+              <a:ext uri="{28A0092B-C50C-407E-A947-70E740481C1C}">
+                <a14:useLocalDpi xmlns:a14="http://schemas.microsoft.com/office/drawing/2010/main" val="0"/>
+              </a:ext>
+            </a:extLst>
+          </a:blip>
+          <a:srcRect/>
+          <a:stretch>
+            <a:fillRect/>
+          </a:stretch>
+        </p:blipFill>
+        <p:spPr bwMode="auto">
+          <a:xfrm>
+            <a:off x="5827789" y="4784337"/>
+            <a:ext cx="1190625" cy="1190625"/>
+          </a:xfrm>
+          <a:prstGeom prst="rect">
+            <a:avLst/>
+          </a:prstGeom>
+          <a:noFill/>
+          <a:extLst>
+            <a:ext uri="{909E8E84-426E-40DD-AFC4-6F175D3DCCD1}">
+              <a14:hiddenFill xmlns:a14="http://schemas.microsoft.com/office/drawing/2010/main">
+                <a:solidFill>
+                  <a:srgbClr val="FFFFFF"/>
+                </a:solidFill>
+              </a14:hiddenFill>
+            </a:ext>
+          </a:extLst>
+        </p:spPr>
+      </p:pic>
     </p:spTree>
     <p:extLst>
       <p:ext uri="{BB962C8B-B14F-4D97-AF65-F5344CB8AC3E}">
